--- a/backgammon/Back2Gamin.pptx
+++ b/backgammon/Back2Gamin.pptx
@@ -108,6 +108,11 @@
       </a:defRPr>
     </a:lvl9pPr>
   </p:defaultTextStyle>
+  <p:extLst>
+    <p:ext uri="{EFAFB233-063F-42B5-8137-9DF3F51BA10A}">
+      <p15:sldGuideLst xmlns:p15="http://schemas.microsoft.com/office/powerpoint/2012/main"/>
+    </p:ext>
+  </p:extLst>
 </p:presentation>
 </file>
 
@@ -260,7 +265,7 @@
           <a:p>
             <a:fld id="{5F159CFA-8334-4B63-82D2-3059768AFDD6}" type="datetimeFigureOut">
               <a:rPr lang="en-CA" smtClean="0"/>
-              <a:t>2022-03-24</a:t>
+              <a:t>2022-03-27</a:t>
             </a:fld>
             <a:endParaRPr lang="en-CA"/>
           </a:p>
@@ -460,7 +465,7 @@
           <a:p>
             <a:fld id="{5F159CFA-8334-4B63-82D2-3059768AFDD6}" type="datetimeFigureOut">
               <a:rPr lang="en-CA" smtClean="0"/>
-              <a:t>2022-03-24</a:t>
+              <a:t>2022-03-27</a:t>
             </a:fld>
             <a:endParaRPr lang="en-CA"/>
           </a:p>
@@ -670,7 +675,7 @@
           <a:p>
             <a:fld id="{5F159CFA-8334-4B63-82D2-3059768AFDD6}" type="datetimeFigureOut">
               <a:rPr lang="en-CA" smtClean="0"/>
-              <a:t>2022-03-24</a:t>
+              <a:t>2022-03-27</a:t>
             </a:fld>
             <a:endParaRPr lang="en-CA"/>
           </a:p>
@@ -870,7 +875,7 @@
           <a:p>
             <a:fld id="{5F159CFA-8334-4B63-82D2-3059768AFDD6}" type="datetimeFigureOut">
               <a:rPr lang="en-CA" smtClean="0"/>
-              <a:t>2022-03-24</a:t>
+              <a:t>2022-03-27</a:t>
             </a:fld>
             <a:endParaRPr lang="en-CA"/>
           </a:p>
@@ -1146,7 +1151,7 @@
           <a:p>
             <a:fld id="{5F159CFA-8334-4B63-82D2-3059768AFDD6}" type="datetimeFigureOut">
               <a:rPr lang="en-CA" smtClean="0"/>
-              <a:t>2022-03-24</a:t>
+              <a:t>2022-03-27</a:t>
             </a:fld>
             <a:endParaRPr lang="en-CA"/>
           </a:p>
@@ -1414,7 +1419,7 @@
           <a:p>
             <a:fld id="{5F159CFA-8334-4B63-82D2-3059768AFDD6}" type="datetimeFigureOut">
               <a:rPr lang="en-CA" smtClean="0"/>
-              <a:t>2022-03-24</a:t>
+              <a:t>2022-03-27</a:t>
             </a:fld>
             <a:endParaRPr lang="en-CA"/>
           </a:p>
@@ -1829,7 +1834,7 @@
           <a:p>
             <a:fld id="{5F159CFA-8334-4B63-82D2-3059768AFDD6}" type="datetimeFigureOut">
               <a:rPr lang="en-CA" smtClean="0"/>
-              <a:t>2022-03-24</a:t>
+              <a:t>2022-03-27</a:t>
             </a:fld>
             <a:endParaRPr lang="en-CA"/>
           </a:p>
@@ -1971,7 +1976,7 @@
           <a:p>
             <a:fld id="{5F159CFA-8334-4B63-82D2-3059768AFDD6}" type="datetimeFigureOut">
               <a:rPr lang="en-CA" smtClean="0"/>
-              <a:t>2022-03-24</a:t>
+              <a:t>2022-03-27</a:t>
             </a:fld>
             <a:endParaRPr lang="en-CA"/>
           </a:p>
@@ -2084,7 +2089,7 @@
           <a:p>
             <a:fld id="{5F159CFA-8334-4B63-82D2-3059768AFDD6}" type="datetimeFigureOut">
               <a:rPr lang="en-CA" smtClean="0"/>
-              <a:t>2022-03-24</a:t>
+              <a:t>2022-03-27</a:t>
             </a:fld>
             <a:endParaRPr lang="en-CA"/>
           </a:p>
@@ -2397,7 +2402,7 @@
           <a:p>
             <a:fld id="{5F159CFA-8334-4B63-82D2-3059768AFDD6}" type="datetimeFigureOut">
               <a:rPr lang="en-CA" smtClean="0"/>
-              <a:t>2022-03-24</a:t>
+              <a:t>2022-03-27</a:t>
             </a:fld>
             <a:endParaRPr lang="en-CA"/>
           </a:p>
@@ -2686,7 +2691,7 @@
           <a:p>
             <a:fld id="{5F159CFA-8334-4B63-82D2-3059768AFDD6}" type="datetimeFigureOut">
               <a:rPr lang="en-CA" smtClean="0"/>
-              <a:t>2022-03-24</a:t>
+              <a:t>2022-03-27</a:t>
             </a:fld>
             <a:endParaRPr lang="en-CA"/>
           </a:p>
@@ -2929,7 +2934,7 @@
           <a:p>
             <a:fld id="{5F159CFA-8334-4B63-82D2-3059768AFDD6}" type="datetimeFigureOut">
               <a:rPr lang="en-CA" smtClean="0"/>
-              <a:t>2022-03-24</a:t>
+              <a:t>2022-03-27</a:t>
             </a:fld>
             <a:endParaRPr lang="en-CA"/>
           </a:p>
@@ -3354,600 +3359,6 @@
           <a:chExt cx="0" cy="0"/>
         </a:xfrm>
       </p:grpSpPr>
-      <p:sp>
-        <p:nvSpPr>
-          <p:cNvPr id="10" name="Rectangle 9">
-            <a:extLst>
-              <a:ext uri="{FF2B5EF4-FFF2-40B4-BE49-F238E27FC236}">
-                <a16:creationId xmlns:a16="http://schemas.microsoft.com/office/drawing/2014/main" id="{DE242BD1-E8FB-4BAB-9C1B-BEDA29BE7F57}"/>
-              </a:ext>
-            </a:extLst>
-          </p:cNvPr>
-          <p:cNvSpPr/>
-          <p:nvPr/>
-        </p:nvSpPr>
-        <p:spPr>
-          <a:xfrm>
-            <a:off x="2181224" y="876300"/>
-            <a:ext cx="9115426" cy="600075"/>
-          </a:xfrm>
-          <a:prstGeom prst="rect">
-            <a:avLst/>
-          </a:prstGeom>
-          <a:solidFill>
-            <a:schemeClr val="accent6"/>
-          </a:solidFill>
-        </p:spPr>
-        <p:style>
-          <a:lnRef idx="2">
-            <a:schemeClr val="accent1">
-              <a:shade val="50000"/>
-            </a:schemeClr>
-          </a:lnRef>
-          <a:fillRef idx="1">
-            <a:schemeClr val="accent1"/>
-          </a:fillRef>
-          <a:effectRef idx="0">
-            <a:schemeClr val="accent1"/>
-          </a:effectRef>
-          <a:fontRef idx="minor">
-            <a:schemeClr val="lt1"/>
-          </a:fontRef>
-        </p:style>
-        <p:txBody>
-          <a:bodyPr rtlCol="0" anchor="ctr"/>
-          <a:lstStyle/>
-          <a:p>
-            <a:pPr algn="ctr"/>
-            <a:r>
-              <a:rPr lang="en-CA" sz="3000" dirty="0"/>
-              <a:t>Back 2 Gamin’</a:t>
-            </a:r>
-          </a:p>
-        </p:txBody>
-      </p:sp>
-      <p:sp>
-        <p:nvSpPr>
-          <p:cNvPr id="12" name="Rectangle 11">
-            <a:extLst>
-              <a:ext uri="{FF2B5EF4-FFF2-40B4-BE49-F238E27FC236}">
-                <a16:creationId xmlns:a16="http://schemas.microsoft.com/office/drawing/2014/main" id="{6F3048EB-14EF-4948-95C6-AADC0E4CF44E}"/>
-              </a:ext>
-            </a:extLst>
-          </p:cNvPr>
-          <p:cNvSpPr/>
-          <p:nvPr/>
-        </p:nvSpPr>
-        <p:spPr>
-          <a:xfrm>
-            <a:off x="2181224" y="4752975"/>
-            <a:ext cx="9201151" cy="400050"/>
-          </a:xfrm>
-          <a:prstGeom prst="rect">
-            <a:avLst/>
-          </a:prstGeom>
-          <a:solidFill>
-            <a:schemeClr val="accent6"/>
-          </a:solidFill>
-        </p:spPr>
-        <p:style>
-          <a:lnRef idx="2">
-            <a:schemeClr val="accent1">
-              <a:shade val="50000"/>
-            </a:schemeClr>
-          </a:lnRef>
-          <a:fillRef idx="1">
-            <a:schemeClr val="accent1"/>
-          </a:fillRef>
-          <a:effectRef idx="0">
-            <a:schemeClr val="accent1"/>
-          </a:effectRef>
-          <a:fontRef idx="minor">
-            <a:schemeClr val="lt1"/>
-          </a:fontRef>
-        </p:style>
-        <p:txBody>
-          <a:bodyPr rtlCol="0" anchor="ctr"/>
-          <a:lstStyle/>
-          <a:p>
-            <a:pPr algn="ctr"/>
-            <a:r>
-              <a:rPr lang="en-CA" sz="1500" dirty="0"/>
-              <a:t>© Tyler Hargrave 2022</a:t>
-            </a:r>
-          </a:p>
-        </p:txBody>
-      </p:sp>
-      <p:sp>
-        <p:nvSpPr>
-          <p:cNvPr id="13" name="Rectangle 12">
-            <a:extLst>
-              <a:ext uri="{FF2B5EF4-FFF2-40B4-BE49-F238E27FC236}">
-                <a16:creationId xmlns:a16="http://schemas.microsoft.com/office/drawing/2014/main" id="{F6800CB4-883B-490C-AEB0-0EDAC57241E8}"/>
-              </a:ext>
-            </a:extLst>
-          </p:cNvPr>
-          <p:cNvSpPr/>
-          <p:nvPr/>
-        </p:nvSpPr>
-        <p:spPr>
-          <a:xfrm>
-            <a:off x="2181224" y="1476375"/>
-            <a:ext cx="9115426" cy="3276600"/>
-          </a:xfrm>
-          <a:prstGeom prst="rect">
-            <a:avLst/>
-          </a:prstGeom>
-          <a:solidFill>
-            <a:schemeClr val="accent4"/>
-          </a:solidFill>
-        </p:spPr>
-        <p:style>
-          <a:lnRef idx="2">
-            <a:schemeClr val="accent1">
-              <a:shade val="50000"/>
-            </a:schemeClr>
-          </a:lnRef>
-          <a:fillRef idx="1">
-            <a:schemeClr val="accent1"/>
-          </a:fillRef>
-          <a:effectRef idx="0">
-            <a:schemeClr val="accent1"/>
-          </a:effectRef>
-          <a:fontRef idx="minor">
-            <a:schemeClr val="lt1"/>
-          </a:fontRef>
-        </p:style>
-        <p:txBody>
-          <a:bodyPr rtlCol="0" anchor="ctr"/>
-          <a:lstStyle/>
-          <a:p>
-            <a:pPr algn="ctr"/>
-            <a:endParaRPr lang="en-CA" sz="3000" dirty="0">
-              <a:solidFill>
-                <a:schemeClr val="tx1"/>
-              </a:solidFill>
-            </a:endParaRPr>
-          </a:p>
-        </p:txBody>
-      </p:sp>
-      <p:sp>
-        <p:nvSpPr>
-          <p:cNvPr id="2" name="Rectangle: Rounded Corners 1">
-            <a:extLst>
-              <a:ext uri="{FF2B5EF4-FFF2-40B4-BE49-F238E27FC236}">
-                <a16:creationId xmlns:a16="http://schemas.microsoft.com/office/drawing/2014/main" id="{24A01A68-A159-45A0-8A53-21A6266145BF}"/>
-              </a:ext>
-            </a:extLst>
-          </p:cNvPr>
-          <p:cNvSpPr/>
-          <p:nvPr/>
-        </p:nvSpPr>
-        <p:spPr>
-          <a:xfrm>
-            <a:off x="5386387" y="4133850"/>
-            <a:ext cx="2871788" cy="571500"/>
-          </a:xfrm>
-          <a:prstGeom prst="roundRect">
-            <a:avLst/>
-          </a:prstGeom>
-          <a:solidFill>
-            <a:srgbClr val="C00000"/>
-          </a:solidFill>
-        </p:spPr>
-        <p:style>
-          <a:lnRef idx="2">
-            <a:schemeClr val="accent1">
-              <a:shade val="50000"/>
-            </a:schemeClr>
-          </a:lnRef>
-          <a:fillRef idx="1">
-            <a:schemeClr val="accent1"/>
-          </a:fillRef>
-          <a:effectRef idx="0">
-            <a:schemeClr val="accent1"/>
-          </a:effectRef>
-          <a:fontRef idx="minor">
-            <a:schemeClr val="lt1"/>
-          </a:fontRef>
-        </p:style>
-        <p:txBody>
-          <a:bodyPr rtlCol="0" anchor="ctr"/>
-          <a:lstStyle/>
-          <a:p>
-            <a:pPr algn="ctr"/>
-            <a:r>
-              <a:rPr lang="en-CA" dirty="0"/>
-              <a:t>START</a:t>
-            </a:r>
-          </a:p>
-        </p:txBody>
-      </p:sp>
-      <p:sp>
-        <p:nvSpPr>
-          <p:cNvPr id="8" name="Rectangle: Rounded Corners 7">
-            <a:extLst>
-              <a:ext uri="{FF2B5EF4-FFF2-40B4-BE49-F238E27FC236}">
-                <a16:creationId xmlns:a16="http://schemas.microsoft.com/office/drawing/2014/main" id="{23E385DA-7CDE-4078-A1F1-9C3E24718703}"/>
-              </a:ext>
-            </a:extLst>
-          </p:cNvPr>
-          <p:cNvSpPr/>
-          <p:nvPr/>
-        </p:nvSpPr>
-        <p:spPr>
-          <a:xfrm>
-            <a:off x="3576637" y="2044040"/>
-            <a:ext cx="2871788" cy="571500"/>
-          </a:xfrm>
-          <a:prstGeom prst="roundRect">
-            <a:avLst/>
-          </a:prstGeom>
-          <a:noFill/>
-          <a:ln>
-            <a:noFill/>
-          </a:ln>
-        </p:spPr>
-        <p:style>
-          <a:lnRef idx="2">
-            <a:schemeClr val="accent1">
-              <a:shade val="50000"/>
-            </a:schemeClr>
-          </a:lnRef>
-          <a:fillRef idx="1">
-            <a:schemeClr val="accent1"/>
-          </a:fillRef>
-          <a:effectRef idx="0">
-            <a:schemeClr val="accent1"/>
-          </a:effectRef>
-          <a:fontRef idx="minor">
-            <a:schemeClr val="lt1"/>
-          </a:fontRef>
-        </p:style>
-        <p:txBody>
-          <a:bodyPr rtlCol="0" anchor="ctr"/>
-          <a:lstStyle/>
-          <a:p>
-            <a:pPr algn="ctr"/>
-            <a:r>
-              <a:rPr lang="en-CA" dirty="0">
-                <a:solidFill>
-                  <a:schemeClr val="tx1"/>
-                </a:solidFill>
-              </a:rPr>
-              <a:t>Player 1:</a:t>
-            </a:r>
-          </a:p>
-        </p:txBody>
-      </p:sp>
-      <p:sp>
-        <p:nvSpPr>
-          <p:cNvPr id="11" name="Rectangle: Rounded Corners 10">
-            <a:extLst>
-              <a:ext uri="{FF2B5EF4-FFF2-40B4-BE49-F238E27FC236}">
-                <a16:creationId xmlns:a16="http://schemas.microsoft.com/office/drawing/2014/main" id="{3E30652E-F17C-4C6C-A348-A67888CF1D4C}"/>
-              </a:ext>
-            </a:extLst>
-          </p:cNvPr>
-          <p:cNvSpPr/>
-          <p:nvPr/>
-        </p:nvSpPr>
-        <p:spPr>
-          <a:xfrm>
-            <a:off x="3576637" y="2960150"/>
-            <a:ext cx="2871788" cy="571500"/>
-          </a:xfrm>
-          <a:prstGeom prst="roundRect">
-            <a:avLst/>
-          </a:prstGeom>
-          <a:noFill/>
-          <a:ln>
-            <a:noFill/>
-          </a:ln>
-        </p:spPr>
-        <p:style>
-          <a:lnRef idx="2">
-            <a:schemeClr val="accent1">
-              <a:shade val="50000"/>
-            </a:schemeClr>
-          </a:lnRef>
-          <a:fillRef idx="1">
-            <a:schemeClr val="accent1"/>
-          </a:fillRef>
-          <a:effectRef idx="0">
-            <a:schemeClr val="accent1"/>
-          </a:effectRef>
-          <a:fontRef idx="minor">
-            <a:schemeClr val="lt1"/>
-          </a:fontRef>
-        </p:style>
-        <p:txBody>
-          <a:bodyPr rtlCol="0" anchor="ctr"/>
-          <a:lstStyle/>
-          <a:p>
-            <a:pPr algn="ctr"/>
-            <a:r>
-              <a:rPr lang="en-CA" dirty="0">
-                <a:solidFill>
-                  <a:schemeClr val="tx1"/>
-                </a:solidFill>
-              </a:rPr>
-              <a:t>Player 2:</a:t>
-            </a:r>
-          </a:p>
-        </p:txBody>
-      </p:sp>
-      <p:sp>
-        <p:nvSpPr>
-          <p:cNvPr id="14" name="Rectangle: Rounded Corners 13">
-            <a:extLst>
-              <a:ext uri="{FF2B5EF4-FFF2-40B4-BE49-F238E27FC236}">
-                <a16:creationId xmlns:a16="http://schemas.microsoft.com/office/drawing/2014/main" id="{82FB3A17-C1A6-4F1C-9473-4A6E08C5E1A5}"/>
-              </a:ext>
-            </a:extLst>
-          </p:cNvPr>
-          <p:cNvSpPr/>
-          <p:nvPr/>
-        </p:nvSpPr>
-        <p:spPr>
-          <a:xfrm>
-            <a:off x="5784055" y="2192311"/>
-            <a:ext cx="2871788" cy="311069"/>
-          </a:xfrm>
-          <a:prstGeom prst="roundRect">
-            <a:avLst/>
-          </a:prstGeom>
-          <a:solidFill>
-            <a:schemeClr val="bg1"/>
-          </a:solidFill>
-          <a:ln w="28575">
-            <a:solidFill>
-              <a:schemeClr val="accent6"/>
-            </a:solidFill>
-          </a:ln>
-        </p:spPr>
-        <p:style>
-          <a:lnRef idx="2">
-            <a:schemeClr val="accent1">
-              <a:shade val="50000"/>
-            </a:schemeClr>
-          </a:lnRef>
-          <a:fillRef idx="1">
-            <a:schemeClr val="accent1"/>
-          </a:fillRef>
-          <a:effectRef idx="0">
-            <a:schemeClr val="accent1"/>
-          </a:effectRef>
-          <a:fontRef idx="minor">
-            <a:schemeClr val="lt1"/>
-          </a:fontRef>
-        </p:style>
-        <p:txBody>
-          <a:bodyPr rtlCol="0" anchor="ctr"/>
-          <a:lstStyle/>
-          <a:p>
-            <a:r>
-              <a:rPr lang="en-CA" dirty="0">
-                <a:solidFill>
-                  <a:schemeClr val="tx1"/>
-                </a:solidFill>
-              </a:rPr>
-              <a:t>Tyler Hargrave</a:t>
-            </a:r>
-          </a:p>
-        </p:txBody>
-      </p:sp>
-      <p:sp>
-        <p:nvSpPr>
-          <p:cNvPr id="15" name="Rectangle: Rounded Corners 14">
-            <a:extLst>
-              <a:ext uri="{FF2B5EF4-FFF2-40B4-BE49-F238E27FC236}">
-                <a16:creationId xmlns:a16="http://schemas.microsoft.com/office/drawing/2014/main" id="{F6E9525C-D350-4F26-A4D9-524DE4169BE3}"/>
-              </a:ext>
-            </a:extLst>
-          </p:cNvPr>
-          <p:cNvSpPr/>
-          <p:nvPr/>
-        </p:nvSpPr>
-        <p:spPr>
-          <a:xfrm>
-            <a:off x="5784055" y="3328099"/>
-            <a:ext cx="2871788" cy="311069"/>
-          </a:xfrm>
-          <a:prstGeom prst="roundRect">
-            <a:avLst/>
-          </a:prstGeom>
-          <a:solidFill>
-            <a:schemeClr val="bg1"/>
-          </a:solidFill>
-          <a:ln w="28575">
-            <a:solidFill>
-              <a:schemeClr val="accent6"/>
-            </a:solidFill>
-          </a:ln>
-        </p:spPr>
-        <p:style>
-          <a:lnRef idx="2">
-            <a:schemeClr val="accent1">
-              <a:shade val="50000"/>
-            </a:schemeClr>
-          </a:lnRef>
-          <a:fillRef idx="1">
-            <a:schemeClr val="accent1"/>
-          </a:fillRef>
-          <a:effectRef idx="0">
-            <a:schemeClr val="accent1"/>
-          </a:effectRef>
-          <a:fontRef idx="minor">
-            <a:schemeClr val="lt1"/>
-          </a:fontRef>
-        </p:style>
-        <p:txBody>
-          <a:bodyPr rtlCol="0" anchor="ctr"/>
-          <a:lstStyle/>
-          <a:p>
-            <a:r>
-              <a:rPr lang="en-CA" dirty="0">
-                <a:solidFill>
-                  <a:schemeClr val="tx1"/>
-                </a:solidFill>
-              </a:rPr>
-              <a:t>Tyler Hargrave</a:t>
-            </a:r>
-          </a:p>
-        </p:txBody>
-      </p:sp>
-      <p:sp>
-        <p:nvSpPr>
-          <p:cNvPr id="16" name="Rectangle: Rounded Corners 15">
-            <a:extLst>
-              <a:ext uri="{FF2B5EF4-FFF2-40B4-BE49-F238E27FC236}">
-                <a16:creationId xmlns:a16="http://schemas.microsoft.com/office/drawing/2014/main" id="{DF090D53-C67B-4770-BCF9-B60B3912CE17}"/>
-              </a:ext>
-            </a:extLst>
-          </p:cNvPr>
-          <p:cNvSpPr/>
-          <p:nvPr/>
-        </p:nvSpPr>
-        <p:spPr>
-          <a:xfrm>
-            <a:off x="5784055" y="2987339"/>
-            <a:ext cx="2871788" cy="311069"/>
-          </a:xfrm>
-          <a:prstGeom prst="roundRect">
-            <a:avLst/>
-          </a:prstGeom>
-          <a:noFill/>
-          <a:ln w="28575">
-            <a:noFill/>
-          </a:ln>
-        </p:spPr>
-        <p:style>
-          <a:lnRef idx="2">
-            <a:schemeClr val="accent1">
-              <a:shade val="50000"/>
-            </a:schemeClr>
-          </a:lnRef>
-          <a:fillRef idx="1">
-            <a:schemeClr val="accent1"/>
-          </a:fillRef>
-          <a:effectRef idx="0">
-            <a:schemeClr val="accent1"/>
-          </a:effectRef>
-          <a:fontRef idx="minor">
-            <a:schemeClr val="lt1"/>
-          </a:fontRef>
-        </p:style>
-        <p:txBody>
-          <a:bodyPr rtlCol="0" anchor="ctr"/>
-          <a:lstStyle/>
-          <a:p>
-            <a:r>
-              <a:rPr lang="en-CA" b="1" dirty="0">
-                <a:solidFill>
-                  <a:schemeClr val="tx1"/>
-                </a:solidFill>
-              </a:rPr>
-              <a:t>Computer</a:t>
-            </a:r>
-          </a:p>
-        </p:txBody>
-      </p:sp>
-      <p:sp>
-        <p:nvSpPr>
-          <p:cNvPr id="3" name="Oval 2">
-            <a:extLst>
-              <a:ext uri="{FF2B5EF4-FFF2-40B4-BE49-F238E27FC236}">
-                <a16:creationId xmlns:a16="http://schemas.microsoft.com/office/drawing/2014/main" id="{8C365E81-424C-4610-896B-5B5125621ACF}"/>
-              </a:ext>
-            </a:extLst>
-          </p:cNvPr>
-          <p:cNvSpPr/>
-          <p:nvPr/>
-        </p:nvSpPr>
-        <p:spPr>
-          <a:xfrm>
-            <a:off x="5545930" y="3059289"/>
-            <a:ext cx="152400" cy="209429"/>
-          </a:xfrm>
-          <a:prstGeom prst="ellipse">
-            <a:avLst/>
-          </a:prstGeom>
-        </p:spPr>
-        <p:style>
-          <a:lnRef idx="2">
-            <a:schemeClr val="dk1">
-              <a:shade val="50000"/>
-            </a:schemeClr>
-          </a:lnRef>
-          <a:fillRef idx="1">
-            <a:schemeClr val="dk1"/>
-          </a:fillRef>
-          <a:effectRef idx="0">
-            <a:schemeClr val="dk1"/>
-          </a:effectRef>
-          <a:fontRef idx="minor">
-            <a:schemeClr val="lt1"/>
-          </a:fontRef>
-        </p:style>
-        <p:txBody>
-          <a:bodyPr rtlCol="0" anchor="ctr"/>
-          <a:lstStyle/>
-          <a:p>
-            <a:pPr algn="ctr"/>
-            <a:endParaRPr lang="en-CA"/>
-          </a:p>
-        </p:txBody>
-      </p:sp>
-      <p:sp>
-        <p:nvSpPr>
-          <p:cNvPr id="17" name="Oval 16">
-            <a:extLst>
-              <a:ext uri="{FF2B5EF4-FFF2-40B4-BE49-F238E27FC236}">
-                <a16:creationId xmlns:a16="http://schemas.microsoft.com/office/drawing/2014/main" id="{C413D7B3-B830-4225-A5A1-68E6C93DE6B6}"/>
-              </a:ext>
-            </a:extLst>
-          </p:cNvPr>
-          <p:cNvSpPr/>
-          <p:nvPr/>
-        </p:nvSpPr>
-        <p:spPr>
-          <a:xfrm>
-            <a:off x="5545930" y="3346033"/>
-            <a:ext cx="152400" cy="209429"/>
-          </a:xfrm>
-          <a:prstGeom prst="ellipse">
-            <a:avLst/>
-          </a:prstGeom>
-          <a:solidFill>
-            <a:schemeClr val="bg1"/>
-          </a:solidFill>
-        </p:spPr>
-        <p:style>
-          <a:lnRef idx="2">
-            <a:schemeClr val="dk1">
-              <a:shade val="50000"/>
-            </a:schemeClr>
-          </a:lnRef>
-          <a:fillRef idx="1">
-            <a:schemeClr val="dk1"/>
-          </a:fillRef>
-          <a:effectRef idx="0">
-            <a:schemeClr val="dk1"/>
-          </a:effectRef>
-          <a:fontRef idx="minor">
-            <a:schemeClr val="lt1"/>
-          </a:fontRef>
-        </p:style>
-        <p:txBody>
-          <a:bodyPr rtlCol="0" anchor="ctr"/>
-          <a:lstStyle/>
-          <a:p>
-            <a:pPr algn="ctr"/>
-            <a:endParaRPr lang="en-CA"/>
-          </a:p>
-        </p:txBody>
-      </p:sp>
       <p:pic>
         <p:nvPicPr>
           <p:cNvPr id="9" name="Picture 8">
@@ -3988,6 +3399,600 @@
           </a:prstGeom>
         </p:spPr>
       </p:pic>
+      <p:sp>
+        <p:nvSpPr>
+          <p:cNvPr id="10" name="Rectangle 9">
+            <a:extLst>
+              <a:ext uri="{FF2B5EF4-FFF2-40B4-BE49-F238E27FC236}">
+                <a16:creationId xmlns:a16="http://schemas.microsoft.com/office/drawing/2014/main" id="{DE242BD1-E8FB-4BAB-9C1B-BEDA29BE7F57}"/>
+              </a:ext>
+            </a:extLst>
+          </p:cNvPr>
+          <p:cNvSpPr/>
+          <p:nvPr/>
+        </p:nvSpPr>
+        <p:spPr>
+          <a:xfrm>
+            <a:off x="2181224" y="876300"/>
+            <a:ext cx="9115426" cy="600075"/>
+          </a:xfrm>
+          <a:prstGeom prst="rect">
+            <a:avLst/>
+          </a:prstGeom>
+          <a:solidFill>
+            <a:schemeClr val="accent6"/>
+          </a:solidFill>
+        </p:spPr>
+        <p:style>
+          <a:lnRef idx="2">
+            <a:schemeClr val="accent1">
+              <a:shade val="50000"/>
+            </a:schemeClr>
+          </a:lnRef>
+          <a:fillRef idx="1">
+            <a:schemeClr val="accent1"/>
+          </a:fillRef>
+          <a:effectRef idx="0">
+            <a:schemeClr val="accent1"/>
+          </a:effectRef>
+          <a:fontRef idx="minor">
+            <a:schemeClr val="lt1"/>
+          </a:fontRef>
+        </p:style>
+        <p:txBody>
+          <a:bodyPr rtlCol="0" anchor="ctr"/>
+          <a:lstStyle/>
+          <a:p>
+            <a:pPr algn="ctr"/>
+            <a:r>
+              <a:rPr lang="en-CA" sz="3000" dirty="0"/>
+              <a:t>Back 2 Gamin’</a:t>
+            </a:r>
+          </a:p>
+        </p:txBody>
+      </p:sp>
+      <p:sp>
+        <p:nvSpPr>
+          <p:cNvPr id="12" name="Rectangle 11">
+            <a:extLst>
+              <a:ext uri="{FF2B5EF4-FFF2-40B4-BE49-F238E27FC236}">
+                <a16:creationId xmlns:a16="http://schemas.microsoft.com/office/drawing/2014/main" id="{6F3048EB-14EF-4948-95C6-AADC0E4CF44E}"/>
+              </a:ext>
+            </a:extLst>
+          </p:cNvPr>
+          <p:cNvSpPr/>
+          <p:nvPr/>
+        </p:nvSpPr>
+        <p:spPr>
+          <a:xfrm>
+            <a:off x="2181224" y="4752975"/>
+            <a:ext cx="9201151" cy="400050"/>
+          </a:xfrm>
+          <a:prstGeom prst="rect">
+            <a:avLst/>
+          </a:prstGeom>
+          <a:solidFill>
+            <a:schemeClr val="accent6"/>
+          </a:solidFill>
+        </p:spPr>
+        <p:style>
+          <a:lnRef idx="2">
+            <a:schemeClr val="accent1">
+              <a:shade val="50000"/>
+            </a:schemeClr>
+          </a:lnRef>
+          <a:fillRef idx="1">
+            <a:schemeClr val="accent1"/>
+          </a:fillRef>
+          <a:effectRef idx="0">
+            <a:schemeClr val="accent1"/>
+          </a:effectRef>
+          <a:fontRef idx="minor">
+            <a:schemeClr val="lt1"/>
+          </a:fontRef>
+        </p:style>
+        <p:txBody>
+          <a:bodyPr rtlCol="0" anchor="ctr"/>
+          <a:lstStyle/>
+          <a:p>
+            <a:pPr algn="ctr"/>
+            <a:r>
+              <a:rPr lang="en-CA" sz="1500" dirty="0"/>
+              <a:t>© Tyler Hargrave 2022</a:t>
+            </a:r>
+          </a:p>
+        </p:txBody>
+      </p:sp>
+      <p:sp>
+        <p:nvSpPr>
+          <p:cNvPr id="13" name="Rectangle 12">
+            <a:extLst>
+              <a:ext uri="{FF2B5EF4-FFF2-40B4-BE49-F238E27FC236}">
+                <a16:creationId xmlns:a16="http://schemas.microsoft.com/office/drawing/2014/main" id="{F6800CB4-883B-490C-AEB0-0EDAC57241E8}"/>
+              </a:ext>
+            </a:extLst>
+          </p:cNvPr>
+          <p:cNvSpPr/>
+          <p:nvPr/>
+        </p:nvSpPr>
+        <p:spPr>
+          <a:xfrm>
+            <a:off x="2181224" y="1476375"/>
+            <a:ext cx="9115426" cy="3276600"/>
+          </a:xfrm>
+          <a:prstGeom prst="rect">
+            <a:avLst/>
+          </a:prstGeom>
+          <a:solidFill>
+            <a:schemeClr val="accent4"/>
+          </a:solidFill>
+        </p:spPr>
+        <p:style>
+          <a:lnRef idx="2">
+            <a:schemeClr val="accent1">
+              <a:shade val="50000"/>
+            </a:schemeClr>
+          </a:lnRef>
+          <a:fillRef idx="1">
+            <a:schemeClr val="accent1"/>
+          </a:fillRef>
+          <a:effectRef idx="0">
+            <a:schemeClr val="accent1"/>
+          </a:effectRef>
+          <a:fontRef idx="minor">
+            <a:schemeClr val="lt1"/>
+          </a:fontRef>
+        </p:style>
+        <p:txBody>
+          <a:bodyPr rtlCol="0" anchor="ctr"/>
+          <a:lstStyle/>
+          <a:p>
+            <a:pPr algn="ctr"/>
+            <a:endParaRPr lang="en-CA" sz="3000" dirty="0">
+              <a:solidFill>
+                <a:schemeClr val="tx1"/>
+              </a:solidFill>
+            </a:endParaRPr>
+          </a:p>
+        </p:txBody>
+      </p:sp>
+      <p:sp>
+        <p:nvSpPr>
+          <p:cNvPr id="2" name="Rectangle: Rounded Corners 1">
+            <a:extLst>
+              <a:ext uri="{FF2B5EF4-FFF2-40B4-BE49-F238E27FC236}">
+                <a16:creationId xmlns:a16="http://schemas.microsoft.com/office/drawing/2014/main" id="{24A01A68-A159-45A0-8A53-21A6266145BF}"/>
+              </a:ext>
+            </a:extLst>
+          </p:cNvPr>
+          <p:cNvSpPr/>
+          <p:nvPr/>
+        </p:nvSpPr>
+        <p:spPr>
+          <a:xfrm>
+            <a:off x="5386387" y="4133850"/>
+            <a:ext cx="2871788" cy="571500"/>
+          </a:xfrm>
+          <a:prstGeom prst="roundRect">
+            <a:avLst/>
+          </a:prstGeom>
+          <a:solidFill>
+            <a:srgbClr val="C00000"/>
+          </a:solidFill>
+        </p:spPr>
+        <p:style>
+          <a:lnRef idx="2">
+            <a:schemeClr val="accent1">
+              <a:shade val="50000"/>
+            </a:schemeClr>
+          </a:lnRef>
+          <a:fillRef idx="1">
+            <a:schemeClr val="accent1"/>
+          </a:fillRef>
+          <a:effectRef idx="0">
+            <a:schemeClr val="accent1"/>
+          </a:effectRef>
+          <a:fontRef idx="minor">
+            <a:schemeClr val="lt1"/>
+          </a:fontRef>
+        </p:style>
+        <p:txBody>
+          <a:bodyPr rtlCol="0" anchor="ctr"/>
+          <a:lstStyle/>
+          <a:p>
+            <a:pPr algn="ctr"/>
+            <a:r>
+              <a:rPr lang="en-CA" dirty="0"/>
+              <a:t>START</a:t>
+            </a:r>
+          </a:p>
+        </p:txBody>
+      </p:sp>
+      <p:sp>
+        <p:nvSpPr>
+          <p:cNvPr id="8" name="Rectangle: Rounded Corners 7">
+            <a:extLst>
+              <a:ext uri="{FF2B5EF4-FFF2-40B4-BE49-F238E27FC236}">
+                <a16:creationId xmlns:a16="http://schemas.microsoft.com/office/drawing/2014/main" id="{23E385DA-7CDE-4078-A1F1-9C3E24718703}"/>
+              </a:ext>
+            </a:extLst>
+          </p:cNvPr>
+          <p:cNvSpPr/>
+          <p:nvPr/>
+        </p:nvSpPr>
+        <p:spPr>
+          <a:xfrm>
+            <a:off x="3576637" y="2044040"/>
+            <a:ext cx="2871788" cy="571500"/>
+          </a:xfrm>
+          <a:prstGeom prst="roundRect">
+            <a:avLst/>
+          </a:prstGeom>
+          <a:noFill/>
+          <a:ln>
+            <a:noFill/>
+          </a:ln>
+        </p:spPr>
+        <p:style>
+          <a:lnRef idx="2">
+            <a:schemeClr val="accent1">
+              <a:shade val="50000"/>
+            </a:schemeClr>
+          </a:lnRef>
+          <a:fillRef idx="1">
+            <a:schemeClr val="accent1"/>
+          </a:fillRef>
+          <a:effectRef idx="0">
+            <a:schemeClr val="accent1"/>
+          </a:effectRef>
+          <a:fontRef idx="minor">
+            <a:schemeClr val="lt1"/>
+          </a:fontRef>
+        </p:style>
+        <p:txBody>
+          <a:bodyPr rtlCol="0" anchor="ctr"/>
+          <a:lstStyle/>
+          <a:p>
+            <a:pPr algn="ctr"/>
+            <a:r>
+              <a:rPr lang="en-CA" dirty="0">
+                <a:solidFill>
+                  <a:schemeClr val="tx1"/>
+                </a:solidFill>
+              </a:rPr>
+              <a:t>Player 1:</a:t>
+            </a:r>
+          </a:p>
+        </p:txBody>
+      </p:sp>
+      <p:sp>
+        <p:nvSpPr>
+          <p:cNvPr id="11" name="Rectangle: Rounded Corners 10">
+            <a:extLst>
+              <a:ext uri="{FF2B5EF4-FFF2-40B4-BE49-F238E27FC236}">
+                <a16:creationId xmlns:a16="http://schemas.microsoft.com/office/drawing/2014/main" id="{3E30652E-F17C-4C6C-A348-A67888CF1D4C}"/>
+              </a:ext>
+            </a:extLst>
+          </p:cNvPr>
+          <p:cNvSpPr/>
+          <p:nvPr/>
+        </p:nvSpPr>
+        <p:spPr>
+          <a:xfrm>
+            <a:off x="3576637" y="2960150"/>
+            <a:ext cx="2871788" cy="571500"/>
+          </a:xfrm>
+          <a:prstGeom prst="roundRect">
+            <a:avLst/>
+          </a:prstGeom>
+          <a:noFill/>
+          <a:ln>
+            <a:noFill/>
+          </a:ln>
+        </p:spPr>
+        <p:style>
+          <a:lnRef idx="2">
+            <a:schemeClr val="accent1">
+              <a:shade val="50000"/>
+            </a:schemeClr>
+          </a:lnRef>
+          <a:fillRef idx="1">
+            <a:schemeClr val="accent1"/>
+          </a:fillRef>
+          <a:effectRef idx="0">
+            <a:schemeClr val="accent1"/>
+          </a:effectRef>
+          <a:fontRef idx="minor">
+            <a:schemeClr val="lt1"/>
+          </a:fontRef>
+        </p:style>
+        <p:txBody>
+          <a:bodyPr rtlCol="0" anchor="ctr"/>
+          <a:lstStyle/>
+          <a:p>
+            <a:pPr algn="ctr"/>
+            <a:r>
+              <a:rPr lang="en-CA" dirty="0">
+                <a:solidFill>
+                  <a:schemeClr val="tx1"/>
+                </a:solidFill>
+              </a:rPr>
+              <a:t>Player 2:</a:t>
+            </a:r>
+          </a:p>
+        </p:txBody>
+      </p:sp>
+      <p:sp>
+        <p:nvSpPr>
+          <p:cNvPr id="14" name="Rectangle: Rounded Corners 13">
+            <a:extLst>
+              <a:ext uri="{FF2B5EF4-FFF2-40B4-BE49-F238E27FC236}">
+                <a16:creationId xmlns:a16="http://schemas.microsoft.com/office/drawing/2014/main" id="{82FB3A17-C1A6-4F1C-9473-4A6E08C5E1A5}"/>
+              </a:ext>
+            </a:extLst>
+          </p:cNvPr>
+          <p:cNvSpPr/>
+          <p:nvPr/>
+        </p:nvSpPr>
+        <p:spPr>
+          <a:xfrm>
+            <a:off x="5784055" y="2192311"/>
+            <a:ext cx="2871788" cy="311069"/>
+          </a:xfrm>
+          <a:prstGeom prst="roundRect">
+            <a:avLst/>
+          </a:prstGeom>
+          <a:solidFill>
+            <a:schemeClr val="bg1"/>
+          </a:solidFill>
+          <a:ln w="28575">
+            <a:solidFill>
+              <a:schemeClr val="accent6"/>
+            </a:solidFill>
+          </a:ln>
+        </p:spPr>
+        <p:style>
+          <a:lnRef idx="2">
+            <a:schemeClr val="accent1">
+              <a:shade val="50000"/>
+            </a:schemeClr>
+          </a:lnRef>
+          <a:fillRef idx="1">
+            <a:schemeClr val="accent1"/>
+          </a:fillRef>
+          <a:effectRef idx="0">
+            <a:schemeClr val="accent1"/>
+          </a:effectRef>
+          <a:fontRef idx="minor">
+            <a:schemeClr val="lt1"/>
+          </a:fontRef>
+        </p:style>
+        <p:txBody>
+          <a:bodyPr rtlCol="0" anchor="ctr"/>
+          <a:lstStyle/>
+          <a:p>
+            <a:r>
+              <a:rPr lang="en-CA" dirty="0">
+                <a:solidFill>
+                  <a:schemeClr val="tx1"/>
+                </a:solidFill>
+              </a:rPr>
+              <a:t>Tyler Hargrave</a:t>
+            </a:r>
+          </a:p>
+        </p:txBody>
+      </p:sp>
+      <p:sp>
+        <p:nvSpPr>
+          <p:cNvPr id="15" name="Rectangle: Rounded Corners 14">
+            <a:extLst>
+              <a:ext uri="{FF2B5EF4-FFF2-40B4-BE49-F238E27FC236}">
+                <a16:creationId xmlns:a16="http://schemas.microsoft.com/office/drawing/2014/main" id="{F6E9525C-D350-4F26-A4D9-524DE4169BE3}"/>
+              </a:ext>
+            </a:extLst>
+          </p:cNvPr>
+          <p:cNvSpPr/>
+          <p:nvPr/>
+        </p:nvSpPr>
+        <p:spPr>
+          <a:xfrm>
+            <a:off x="5784055" y="3328099"/>
+            <a:ext cx="2871788" cy="311069"/>
+          </a:xfrm>
+          <a:prstGeom prst="roundRect">
+            <a:avLst/>
+          </a:prstGeom>
+          <a:solidFill>
+            <a:schemeClr val="bg1"/>
+          </a:solidFill>
+          <a:ln w="28575">
+            <a:solidFill>
+              <a:schemeClr val="accent6"/>
+            </a:solidFill>
+          </a:ln>
+        </p:spPr>
+        <p:style>
+          <a:lnRef idx="2">
+            <a:schemeClr val="accent1">
+              <a:shade val="50000"/>
+            </a:schemeClr>
+          </a:lnRef>
+          <a:fillRef idx="1">
+            <a:schemeClr val="accent1"/>
+          </a:fillRef>
+          <a:effectRef idx="0">
+            <a:schemeClr val="accent1"/>
+          </a:effectRef>
+          <a:fontRef idx="minor">
+            <a:schemeClr val="lt1"/>
+          </a:fontRef>
+        </p:style>
+        <p:txBody>
+          <a:bodyPr rtlCol="0" anchor="ctr"/>
+          <a:lstStyle/>
+          <a:p>
+            <a:r>
+              <a:rPr lang="en-CA" dirty="0">
+                <a:solidFill>
+                  <a:schemeClr val="tx1"/>
+                </a:solidFill>
+              </a:rPr>
+              <a:t>Tyler Hargrave</a:t>
+            </a:r>
+          </a:p>
+        </p:txBody>
+      </p:sp>
+      <p:sp>
+        <p:nvSpPr>
+          <p:cNvPr id="16" name="Rectangle: Rounded Corners 15">
+            <a:extLst>
+              <a:ext uri="{FF2B5EF4-FFF2-40B4-BE49-F238E27FC236}">
+                <a16:creationId xmlns:a16="http://schemas.microsoft.com/office/drawing/2014/main" id="{DF090D53-C67B-4770-BCF9-B60B3912CE17}"/>
+              </a:ext>
+            </a:extLst>
+          </p:cNvPr>
+          <p:cNvSpPr/>
+          <p:nvPr/>
+        </p:nvSpPr>
+        <p:spPr>
+          <a:xfrm>
+            <a:off x="5784055" y="2987339"/>
+            <a:ext cx="2871788" cy="311069"/>
+          </a:xfrm>
+          <a:prstGeom prst="roundRect">
+            <a:avLst/>
+          </a:prstGeom>
+          <a:noFill/>
+          <a:ln w="28575">
+            <a:noFill/>
+          </a:ln>
+        </p:spPr>
+        <p:style>
+          <a:lnRef idx="2">
+            <a:schemeClr val="accent1">
+              <a:shade val="50000"/>
+            </a:schemeClr>
+          </a:lnRef>
+          <a:fillRef idx="1">
+            <a:schemeClr val="accent1"/>
+          </a:fillRef>
+          <a:effectRef idx="0">
+            <a:schemeClr val="accent1"/>
+          </a:effectRef>
+          <a:fontRef idx="minor">
+            <a:schemeClr val="lt1"/>
+          </a:fontRef>
+        </p:style>
+        <p:txBody>
+          <a:bodyPr rtlCol="0" anchor="ctr"/>
+          <a:lstStyle/>
+          <a:p>
+            <a:r>
+              <a:rPr lang="en-CA" b="1" dirty="0">
+                <a:solidFill>
+                  <a:schemeClr val="tx1"/>
+                </a:solidFill>
+              </a:rPr>
+              <a:t>Computer</a:t>
+            </a:r>
+          </a:p>
+        </p:txBody>
+      </p:sp>
+      <p:sp>
+        <p:nvSpPr>
+          <p:cNvPr id="3" name="Oval 2">
+            <a:extLst>
+              <a:ext uri="{FF2B5EF4-FFF2-40B4-BE49-F238E27FC236}">
+                <a16:creationId xmlns:a16="http://schemas.microsoft.com/office/drawing/2014/main" id="{8C365E81-424C-4610-896B-5B5125621ACF}"/>
+              </a:ext>
+            </a:extLst>
+          </p:cNvPr>
+          <p:cNvSpPr/>
+          <p:nvPr/>
+        </p:nvSpPr>
+        <p:spPr>
+          <a:xfrm>
+            <a:off x="5545930" y="3059289"/>
+            <a:ext cx="152400" cy="209429"/>
+          </a:xfrm>
+          <a:prstGeom prst="ellipse">
+            <a:avLst/>
+          </a:prstGeom>
+        </p:spPr>
+        <p:style>
+          <a:lnRef idx="2">
+            <a:schemeClr val="dk1">
+              <a:shade val="50000"/>
+            </a:schemeClr>
+          </a:lnRef>
+          <a:fillRef idx="1">
+            <a:schemeClr val="dk1"/>
+          </a:fillRef>
+          <a:effectRef idx="0">
+            <a:schemeClr val="dk1"/>
+          </a:effectRef>
+          <a:fontRef idx="minor">
+            <a:schemeClr val="lt1"/>
+          </a:fontRef>
+        </p:style>
+        <p:txBody>
+          <a:bodyPr rtlCol="0" anchor="ctr"/>
+          <a:lstStyle/>
+          <a:p>
+            <a:pPr algn="ctr"/>
+            <a:endParaRPr lang="en-CA"/>
+          </a:p>
+        </p:txBody>
+      </p:sp>
+      <p:sp>
+        <p:nvSpPr>
+          <p:cNvPr id="17" name="Oval 16">
+            <a:extLst>
+              <a:ext uri="{FF2B5EF4-FFF2-40B4-BE49-F238E27FC236}">
+                <a16:creationId xmlns:a16="http://schemas.microsoft.com/office/drawing/2014/main" id="{C413D7B3-B830-4225-A5A1-68E6C93DE6B6}"/>
+              </a:ext>
+            </a:extLst>
+          </p:cNvPr>
+          <p:cNvSpPr/>
+          <p:nvPr/>
+        </p:nvSpPr>
+        <p:spPr>
+          <a:xfrm>
+            <a:off x="5545930" y="3346033"/>
+            <a:ext cx="152400" cy="209429"/>
+          </a:xfrm>
+          <a:prstGeom prst="ellipse">
+            <a:avLst/>
+          </a:prstGeom>
+          <a:solidFill>
+            <a:schemeClr val="bg1"/>
+          </a:solidFill>
+        </p:spPr>
+        <p:style>
+          <a:lnRef idx="2">
+            <a:schemeClr val="dk1">
+              <a:shade val="50000"/>
+            </a:schemeClr>
+          </a:lnRef>
+          <a:fillRef idx="1">
+            <a:schemeClr val="dk1"/>
+          </a:fillRef>
+          <a:effectRef idx="0">
+            <a:schemeClr val="dk1"/>
+          </a:effectRef>
+          <a:fontRef idx="minor">
+            <a:schemeClr val="lt1"/>
+          </a:fontRef>
+        </p:style>
+        <p:txBody>
+          <a:bodyPr rtlCol="0" anchor="ctr"/>
+          <a:lstStyle/>
+          <a:p>
+            <a:pPr algn="ctr"/>
+            <a:endParaRPr lang="en-CA"/>
+          </a:p>
+        </p:txBody>
+      </p:sp>
     </p:spTree>
     <p:extLst>
       <p:ext uri="{BB962C8B-B14F-4D97-AF65-F5344CB8AC3E}">
@@ -4939,6 +4944,46 @@
           <a:chExt cx="0" cy="0"/>
         </a:xfrm>
       </p:grpSpPr>
+      <p:pic>
+        <p:nvPicPr>
+          <p:cNvPr id="9" name="Picture 8">
+            <a:extLst>
+              <a:ext uri="{FF2B5EF4-FFF2-40B4-BE49-F238E27FC236}">
+                <a16:creationId xmlns:a16="http://schemas.microsoft.com/office/drawing/2014/main" id="{20CE2C8B-28F5-44C0-98FB-38771D9D2BE5}"/>
+              </a:ext>
+            </a:extLst>
+          </p:cNvPr>
+          <p:cNvPicPr>
+            <a:picLocks noChangeAspect="1"/>
+          </p:cNvPicPr>
+          <p:nvPr/>
+        </p:nvPicPr>
+        <p:blipFill rotWithShape="1">
+          <a:blip r:embed="rId14">
+            <a:clrChange>
+              <a:clrFrom>
+                <a:srgbClr val="FFFFFF"/>
+              </a:clrFrom>
+              <a:clrTo>
+                <a:srgbClr val="FFFFFF">
+                  <a:alpha val="0"/>
+                </a:srgbClr>
+              </a:clrTo>
+            </a:clrChange>
+          </a:blip>
+          <a:srcRect t="625"/>
+          <a:stretch/>
+        </p:blipFill>
+        <p:spPr>
+          <a:xfrm rot="5400000">
+            <a:off x="1680410" y="-1680409"/>
+            <a:ext cx="6869031" cy="10229850"/>
+          </a:xfrm>
+          <a:prstGeom prst="rect">
+            <a:avLst/>
+          </a:prstGeom>
+        </p:spPr>
+      </p:pic>
       <p:sp>
         <p:nvSpPr>
           <p:cNvPr id="13" name="Rectangle 12">
@@ -5327,7 +5372,7 @@
                       <a:prstDash val="solid"/>
                     </a:lnBlToTr>
                     <a:blipFill>
-                      <a:blip r:embed="rId14"/>
+                      <a:blip r:embed="rId15"/>
                       <a:tile tx="0" ty="0" sx="100000" sy="100000" flip="none" algn="tl"/>
                     </a:blipFill>
                   </a:tcPr>
@@ -5362,7 +5407,7 @@
                       <a:prstDash val="solid"/>
                     </a:lnBlToTr>
                     <a:blipFill>
-                      <a:blip r:embed="rId14"/>
+                      <a:blip r:embed="rId15"/>
                       <a:tile tx="0" ty="0" sx="100000" sy="100000" flip="none" algn="tl"/>
                     </a:blipFill>
                   </a:tcPr>
@@ -5397,7 +5442,7 @@
                       <a:prstDash val="solid"/>
                     </a:lnBlToTr>
                     <a:blipFill>
-                      <a:blip r:embed="rId14"/>
+                      <a:blip r:embed="rId15"/>
                       <a:tile tx="0" ty="0" sx="100000" sy="100000" flip="none" algn="tl"/>
                     </a:blipFill>
                   </a:tcPr>
@@ -5432,7 +5477,7 @@
                       <a:prstDash val="solid"/>
                     </a:lnBlToTr>
                     <a:blipFill>
-                      <a:blip r:embed="rId14"/>
+                      <a:blip r:embed="rId15"/>
                       <a:tile tx="0" ty="0" sx="100000" sy="100000" flip="none" algn="tl"/>
                     </a:blipFill>
                   </a:tcPr>
@@ -5467,7 +5512,7 @@
                       <a:prstDash val="solid"/>
                     </a:lnBlToTr>
                     <a:blipFill>
-                      <a:blip r:embed="rId14"/>
+                      <a:blip r:embed="rId15"/>
                       <a:tile tx="0" ty="0" sx="100000" sy="100000" flip="none" algn="tl"/>
                     </a:blipFill>
                   </a:tcPr>
@@ -5502,7 +5547,7 @@
                       <a:prstDash val="solid"/>
                     </a:lnBlToTr>
                     <a:blipFill>
-                      <a:blip r:embed="rId14"/>
+                      <a:blip r:embed="rId15"/>
                       <a:tile tx="0" ty="0" sx="100000" sy="100000" flip="none" algn="tl"/>
                     </a:blipFill>
                   </a:tcPr>
@@ -5537,7 +5582,7 @@
                       <a:prstDash val="solid"/>
                     </a:lnBlToTr>
                     <a:blipFill>
-                      <a:blip r:embed="rId14"/>
+                      <a:blip r:embed="rId15"/>
                       <a:tile tx="0" ty="0" sx="100000" sy="100000" flip="none" algn="tl"/>
                     </a:blipFill>
                   </a:tcPr>
@@ -5572,7 +5617,7 @@
                       <a:prstDash val="solid"/>
                     </a:lnBlToTr>
                     <a:blipFill>
-                      <a:blip r:embed="rId14"/>
+                      <a:blip r:embed="rId15"/>
                       <a:tile tx="0" ty="0" sx="100000" sy="100000" flip="none" algn="tl"/>
                     </a:blipFill>
                   </a:tcPr>
@@ -5607,7 +5652,7 @@
                       <a:prstDash val="solid"/>
                     </a:lnBlToTr>
                     <a:blipFill>
-                      <a:blip r:embed="rId14"/>
+                      <a:blip r:embed="rId15"/>
                       <a:tile tx="0" ty="0" sx="100000" sy="100000" flip="none" algn="tl"/>
                     </a:blipFill>
                   </a:tcPr>
@@ -5642,7 +5687,7 @@
                       <a:prstDash val="solid"/>
                     </a:lnBlToTr>
                     <a:blipFill>
-                      <a:blip r:embed="rId14"/>
+                      <a:blip r:embed="rId15"/>
                       <a:tile tx="0" ty="0" sx="100000" sy="100000" flip="none" algn="tl"/>
                     </a:blipFill>
                   </a:tcPr>
@@ -5677,7 +5722,7 @@
                       <a:prstDash val="solid"/>
                     </a:lnBlToTr>
                     <a:blipFill>
-                      <a:blip r:embed="rId14"/>
+                      <a:blip r:embed="rId15"/>
                       <a:tile tx="0" ty="0" sx="100000" sy="100000" flip="none" algn="tl"/>
                     </a:blipFill>
                   </a:tcPr>
@@ -5712,7 +5757,7 @@
                       <a:prstDash val="solid"/>
                     </a:lnBlToTr>
                     <a:blipFill>
-                      <a:blip r:embed="rId14"/>
+                      <a:blip r:embed="rId15"/>
                       <a:tile tx="0" ty="0" sx="100000" sy="100000" flip="none" algn="tl"/>
                     </a:blipFill>
                   </a:tcPr>
@@ -5747,7 +5792,7 @@
                       <a:prstDash val="solid"/>
                     </a:lnBlToTr>
                     <a:blipFill>
-                      <a:blip r:embed="rId14"/>
+                      <a:blip r:embed="rId15"/>
                       <a:tile tx="0" ty="0" sx="100000" sy="100000" flip="none" algn="tl"/>
                     </a:blipFill>
                   </a:tcPr>
@@ -5782,7 +5827,7 @@
                       <a:prstDash val="solid"/>
                     </a:lnBlToTr>
                     <a:blipFill>
-                      <a:blip r:embed="rId14"/>
+                      <a:blip r:embed="rId15"/>
                       <a:tile tx="0" ty="0" sx="100000" sy="100000" flip="none" algn="tl"/>
                     </a:blipFill>
                   </a:tcPr>
@@ -5817,7 +5862,7 @@
                       <a:prstDash val="solid"/>
                     </a:lnBlToTr>
                     <a:blipFill>
-                      <a:blip r:embed="rId14"/>
+                      <a:blip r:embed="rId15"/>
                       <a:tile tx="0" ty="0" sx="100000" sy="100000" flip="none" algn="tl"/>
                     </a:blipFill>
                   </a:tcPr>
@@ -5852,7 +5897,7 @@
                       <a:prstDash val="solid"/>
                     </a:lnBlToTr>
                     <a:blipFill>
-                      <a:blip r:embed="rId14"/>
+                      <a:blip r:embed="rId15"/>
                       <a:tile tx="0" ty="0" sx="100000" sy="100000" flip="none" algn="tl"/>
                     </a:blipFill>
                   </a:tcPr>
@@ -5887,7 +5932,7 @@
                       <a:prstDash val="solid"/>
                     </a:lnBlToTr>
                     <a:blipFill>
-                      <a:blip r:embed="rId14"/>
+                      <a:blip r:embed="rId15"/>
                       <a:tile tx="0" ty="0" sx="100000" sy="100000" flip="none" algn="tl"/>
                     </a:blipFill>
                   </a:tcPr>
@@ -5929,7 +5974,7 @@
                       <a:prstDash val="solid"/>
                     </a:lnBlToTr>
                     <a:blipFill>
-                      <a:blip r:embed="rId14"/>
+                      <a:blip r:embed="rId15"/>
                       <a:tile tx="0" ty="0" sx="100000" sy="100000" flip="none" algn="tl"/>
                     </a:blipFill>
                   </a:tcPr>
@@ -6168,7 +6213,7 @@
                       <a:prstDash val="solid"/>
                     </a:lnBlToTr>
                     <a:blipFill>
-                      <a:blip r:embed="rId14"/>
+                      <a:blip r:embed="rId15"/>
                       <a:tile tx="0" ty="0" sx="100000" sy="100000" flip="none" algn="tl"/>
                     </a:blipFill>
                   </a:tcPr>
@@ -6407,7 +6452,7 @@
                       <a:prstDash val="solid"/>
                     </a:lnBlToTr>
                     <a:blipFill>
-                      <a:blip r:embed="rId14"/>
+                      <a:blip r:embed="rId15"/>
                       <a:tile tx="0" ty="0" sx="100000" sy="100000" flip="none" algn="tl"/>
                     </a:blipFill>
                   </a:tcPr>
@@ -6476,7 +6521,7 @@
                       <a:prstDash val="solid"/>
                     </a:lnBlToTr>
                     <a:blipFill>
-                      <a:blip r:embed="rId14"/>
+                      <a:blip r:embed="rId15"/>
                       <a:tile tx="0" ty="0" sx="100000" sy="100000" flip="none" algn="tl"/>
                     </a:blipFill>
                   </a:tcPr>
@@ -6518,7 +6563,7 @@
                       <a:prstDash val="solid"/>
                     </a:lnBlToTr>
                     <a:blipFill>
-                      <a:blip r:embed="rId14"/>
+                      <a:blip r:embed="rId15"/>
                       <a:tile tx="0" ty="0" sx="100000" sy="100000" flip="none" algn="tl"/>
                     </a:blipFill>
                   </a:tcPr>
@@ -6553,7 +6598,7 @@
                       <a:prstDash val="solid"/>
                     </a:lnBlToTr>
                     <a:blipFill>
-                      <a:blip r:embed="rId14"/>
+                      <a:blip r:embed="rId15"/>
                       <a:tile tx="0" ty="0" sx="100000" sy="100000" flip="none" algn="tl"/>
                     </a:blipFill>
                   </a:tcPr>
@@ -6588,7 +6633,7 @@
                       <a:prstDash val="solid"/>
                     </a:lnBlToTr>
                     <a:blipFill>
-                      <a:blip r:embed="rId14"/>
+                      <a:blip r:embed="rId15"/>
                       <a:tile tx="0" ty="0" sx="100000" sy="100000" flip="none" algn="tl"/>
                     </a:blipFill>
                   </a:tcPr>
@@ -6623,7 +6668,7 @@
                       <a:prstDash val="solid"/>
                     </a:lnBlToTr>
                     <a:blipFill>
-                      <a:blip r:embed="rId14"/>
+                      <a:blip r:embed="rId15"/>
                       <a:tile tx="0" ty="0" sx="100000" sy="100000" flip="none" algn="tl"/>
                     </a:blipFill>
                   </a:tcPr>
@@ -6658,7 +6703,7 @@
                       <a:prstDash val="solid"/>
                     </a:lnBlToTr>
                     <a:blipFill>
-                      <a:blip r:embed="rId14"/>
+                      <a:blip r:embed="rId15"/>
                       <a:tile tx="0" ty="0" sx="100000" sy="100000" flip="none" algn="tl"/>
                     </a:blipFill>
                   </a:tcPr>
@@ -6693,7 +6738,7 @@
                       <a:prstDash val="solid"/>
                     </a:lnBlToTr>
                     <a:blipFill>
-                      <a:blip r:embed="rId14"/>
+                      <a:blip r:embed="rId15"/>
                       <a:tile tx="0" ty="0" sx="100000" sy="100000" flip="none" algn="tl"/>
                     </a:blipFill>
                   </a:tcPr>
@@ -6728,7 +6773,7 @@
                       <a:prstDash val="solid"/>
                     </a:lnBlToTr>
                     <a:blipFill>
-                      <a:blip r:embed="rId14"/>
+                      <a:blip r:embed="rId15"/>
                       <a:tile tx="0" ty="0" sx="100000" sy="100000" flip="none" algn="tl"/>
                     </a:blipFill>
                   </a:tcPr>
@@ -6763,7 +6808,7 @@
                       <a:prstDash val="solid"/>
                     </a:lnBlToTr>
                     <a:blipFill>
-                      <a:blip r:embed="rId14"/>
+                      <a:blip r:embed="rId15"/>
                       <a:tile tx="0" ty="0" sx="100000" sy="100000" flip="none" algn="tl"/>
                     </a:blipFill>
                   </a:tcPr>
@@ -6798,7 +6843,7 @@
                       <a:prstDash val="solid"/>
                     </a:lnBlToTr>
                     <a:blipFill>
-                      <a:blip r:embed="rId14"/>
+                      <a:blip r:embed="rId15"/>
                       <a:tile tx="0" ty="0" sx="100000" sy="100000" flip="none" algn="tl"/>
                     </a:blipFill>
                   </a:tcPr>
@@ -6833,7 +6878,7 @@
                       <a:prstDash val="solid"/>
                     </a:lnBlToTr>
                     <a:blipFill>
-                      <a:blip r:embed="rId14"/>
+                      <a:blip r:embed="rId15"/>
                       <a:tile tx="0" ty="0" sx="100000" sy="100000" flip="none" algn="tl"/>
                     </a:blipFill>
                   </a:tcPr>
@@ -6868,7 +6913,7 @@
                       <a:prstDash val="solid"/>
                     </a:lnBlToTr>
                     <a:blipFill>
-                      <a:blip r:embed="rId14"/>
+                      <a:blip r:embed="rId15"/>
                       <a:tile tx="0" ty="0" sx="100000" sy="100000" flip="none" algn="tl"/>
                     </a:blipFill>
                   </a:tcPr>
@@ -6903,7 +6948,7 @@
                       <a:prstDash val="solid"/>
                     </a:lnBlToTr>
                     <a:blipFill>
-                      <a:blip r:embed="rId14"/>
+                      <a:blip r:embed="rId15"/>
                       <a:tile tx="0" ty="0" sx="100000" sy="100000" flip="none" algn="tl"/>
                     </a:blipFill>
                   </a:tcPr>
@@ -6938,7 +6983,7 @@
                       <a:prstDash val="solid"/>
                     </a:lnBlToTr>
                     <a:blipFill>
-                      <a:blip r:embed="rId14"/>
+                      <a:blip r:embed="rId15"/>
                       <a:tile tx="0" ty="0" sx="100000" sy="100000" flip="none" algn="tl"/>
                     </a:blipFill>
                   </a:tcPr>
@@ -6973,7 +7018,7 @@
                       <a:prstDash val="solid"/>
                     </a:lnBlToTr>
                     <a:blipFill>
-                      <a:blip r:embed="rId14"/>
+                      <a:blip r:embed="rId15"/>
                       <a:tile tx="0" ty="0" sx="100000" sy="100000" flip="none" algn="tl"/>
                     </a:blipFill>
                   </a:tcPr>
@@ -7008,7 +7053,7 @@
                       <a:prstDash val="solid"/>
                     </a:lnBlToTr>
                     <a:blipFill>
-                      <a:blip r:embed="rId14"/>
+                      <a:blip r:embed="rId15"/>
                       <a:tile tx="0" ty="0" sx="100000" sy="100000" flip="none" algn="tl"/>
                     </a:blipFill>
                   </a:tcPr>
@@ -7043,7 +7088,7 @@
                       <a:prstDash val="solid"/>
                     </a:lnBlToTr>
                     <a:blipFill>
-                      <a:blip r:embed="rId14"/>
+                      <a:blip r:embed="rId15"/>
                       <a:tile tx="0" ty="0" sx="100000" sy="100000" flip="none" algn="tl"/>
                     </a:blipFill>
                   </a:tcPr>
@@ -7078,7 +7123,7 @@
                       <a:prstDash val="solid"/>
                     </a:lnBlToTr>
                     <a:blipFill>
-                      <a:blip r:embed="rId14"/>
+                      <a:blip r:embed="rId15"/>
                       <a:tile tx="0" ty="0" sx="100000" sy="100000" flip="none" algn="tl"/>
                     </a:blipFill>
                   </a:tcPr>
@@ -7120,7 +7165,7 @@
                       <a:prstDash val="solid"/>
                     </a:lnBlToTr>
                     <a:blipFill>
-                      <a:blip r:embed="rId14"/>
+                      <a:blip r:embed="rId15"/>
                       <a:tile tx="0" ty="0" sx="100000" sy="100000" flip="none" algn="tl"/>
                     </a:blipFill>
                   </a:tcPr>
@@ -7359,7 +7404,7 @@
                       <a:prstDash val="solid"/>
                     </a:lnBlToTr>
                     <a:blipFill>
-                      <a:blip r:embed="rId14"/>
+                      <a:blip r:embed="rId15"/>
                       <a:tile tx="0" ty="0" sx="100000" sy="100000" flip="none" algn="tl"/>
                     </a:blipFill>
                   </a:tcPr>
@@ -7598,7 +7643,7 @@
                       <a:prstDash val="solid"/>
                     </a:lnBlToTr>
                     <a:blipFill>
-                      <a:blip r:embed="rId14"/>
+                      <a:blip r:embed="rId15"/>
                       <a:tile tx="0" ty="0" sx="100000" sy="100000" flip="none" algn="tl"/>
                     </a:blipFill>
                   </a:tcPr>
@@ -7667,7 +7712,7 @@
                       <a:prstDash val="solid"/>
                     </a:lnBlToTr>
                     <a:blipFill>
-                      <a:blip r:embed="rId14"/>
+                      <a:blip r:embed="rId15"/>
                       <a:tile tx="0" ty="0" sx="100000" sy="100000" flip="none" algn="tl"/>
                     </a:blipFill>
                   </a:tcPr>
@@ -7709,7 +7754,7 @@
                       <a:prstDash val="solid"/>
                     </a:lnBlToTr>
                     <a:blipFill>
-                      <a:blip r:embed="rId14"/>
+                      <a:blip r:embed="rId15"/>
                       <a:tile tx="0" ty="0" sx="100000" sy="100000" flip="none" algn="tl"/>
                     </a:blipFill>
                   </a:tcPr>
@@ -7744,7 +7789,7 @@
                       <a:prstDash val="solid"/>
                     </a:lnBlToTr>
                     <a:blipFill>
-                      <a:blip r:embed="rId14"/>
+                      <a:blip r:embed="rId15"/>
                       <a:tile tx="0" ty="0" sx="100000" sy="100000" flip="none" algn="tl"/>
                     </a:blipFill>
                   </a:tcPr>
@@ -7779,7 +7824,7 @@
                       <a:prstDash val="solid"/>
                     </a:lnBlToTr>
                     <a:blipFill>
-                      <a:blip r:embed="rId14"/>
+                      <a:blip r:embed="rId15"/>
                       <a:tile tx="0" ty="0" sx="100000" sy="100000" flip="none" algn="tl"/>
                     </a:blipFill>
                   </a:tcPr>
@@ -7814,7 +7859,7 @@
                       <a:prstDash val="solid"/>
                     </a:lnBlToTr>
                     <a:blipFill>
-                      <a:blip r:embed="rId14"/>
+                      <a:blip r:embed="rId15"/>
                       <a:tile tx="0" ty="0" sx="100000" sy="100000" flip="none" algn="tl"/>
                     </a:blipFill>
                   </a:tcPr>
@@ -7849,7 +7894,7 @@
                       <a:prstDash val="solid"/>
                     </a:lnBlToTr>
                     <a:blipFill>
-                      <a:blip r:embed="rId14"/>
+                      <a:blip r:embed="rId15"/>
                       <a:tile tx="0" ty="0" sx="100000" sy="100000" flip="none" algn="tl"/>
                     </a:blipFill>
                   </a:tcPr>
@@ -7884,7 +7929,7 @@
                       <a:prstDash val="solid"/>
                     </a:lnBlToTr>
                     <a:blipFill>
-                      <a:blip r:embed="rId14"/>
+                      <a:blip r:embed="rId15"/>
                       <a:tile tx="0" ty="0" sx="100000" sy="100000" flip="none" algn="tl"/>
                     </a:blipFill>
                   </a:tcPr>
@@ -7919,7 +7964,7 @@
                       <a:prstDash val="solid"/>
                     </a:lnBlToTr>
                     <a:blipFill>
-                      <a:blip r:embed="rId14"/>
+                      <a:blip r:embed="rId15"/>
                       <a:tile tx="0" ty="0" sx="100000" sy="100000" flip="none" algn="tl"/>
                     </a:blipFill>
                   </a:tcPr>
@@ -7954,7 +7999,7 @@
                       <a:prstDash val="solid"/>
                     </a:lnBlToTr>
                     <a:blipFill>
-                      <a:blip r:embed="rId14"/>
+                      <a:blip r:embed="rId15"/>
                       <a:tile tx="0" ty="0" sx="100000" sy="100000" flip="none" algn="tl"/>
                     </a:blipFill>
                   </a:tcPr>
@@ -7989,7 +8034,7 @@
                       <a:prstDash val="solid"/>
                     </a:lnBlToTr>
                     <a:blipFill>
-                      <a:blip r:embed="rId14"/>
+                      <a:blip r:embed="rId15"/>
                       <a:tile tx="0" ty="0" sx="100000" sy="100000" flip="none" algn="tl"/>
                     </a:blipFill>
                   </a:tcPr>
@@ -8024,7 +8069,7 @@
                       <a:prstDash val="solid"/>
                     </a:lnBlToTr>
                     <a:blipFill>
-                      <a:blip r:embed="rId14"/>
+                      <a:blip r:embed="rId15"/>
                       <a:tile tx="0" ty="0" sx="100000" sy="100000" flip="none" algn="tl"/>
                     </a:blipFill>
                   </a:tcPr>
@@ -8059,7 +8104,7 @@
                       <a:prstDash val="solid"/>
                     </a:lnBlToTr>
                     <a:blipFill>
-                      <a:blip r:embed="rId14"/>
+                      <a:blip r:embed="rId15"/>
                       <a:tile tx="0" ty="0" sx="100000" sy="100000" flip="none" algn="tl"/>
                     </a:blipFill>
                   </a:tcPr>
@@ -8094,7 +8139,7 @@
                       <a:prstDash val="solid"/>
                     </a:lnBlToTr>
                     <a:blipFill>
-                      <a:blip r:embed="rId14"/>
+                      <a:blip r:embed="rId15"/>
                       <a:tile tx="0" ty="0" sx="100000" sy="100000" flip="none" algn="tl"/>
                     </a:blipFill>
                   </a:tcPr>
@@ -8129,7 +8174,7 @@
                       <a:prstDash val="solid"/>
                     </a:lnBlToTr>
                     <a:blipFill>
-                      <a:blip r:embed="rId14"/>
+                      <a:blip r:embed="rId15"/>
                       <a:tile tx="0" ty="0" sx="100000" sy="100000" flip="none" algn="tl"/>
                     </a:blipFill>
                   </a:tcPr>
@@ -8164,7 +8209,7 @@
                       <a:prstDash val="solid"/>
                     </a:lnBlToTr>
                     <a:blipFill>
-                      <a:blip r:embed="rId14"/>
+                      <a:blip r:embed="rId15"/>
                       <a:tile tx="0" ty="0" sx="100000" sy="100000" flip="none" algn="tl"/>
                     </a:blipFill>
                   </a:tcPr>
@@ -8199,7 +8244,7 @@
                       <a:prstDash val="solid"/>
                     </a:lnBlToTr>
                     <a:blipFill>
-                      <a:blip r:embed="rId14"/>
+                      <a:blip r:embed="rId15"/>
                       <a:tile tx="0" ty="0" sx="100000" sy="100000" flip="none" algn="tl"/>
                     </a:blipFill>
                   </a:tcPr>
@@ -8234,7 +8279,7 @@
                       <a:prstDash val="solid"/>
                     </a:lnBlToTr>
                     <a:blipFill>
-                      <a:blip r:embed="rId14"/>
+                      <a:blip r:embed="rId15"/>
                       <a:tile tx="0" ty="0" sx="100000" sy="100000" flip="none" algn="tl"/>
                     </a:blipFill>
                   </a:tcPr>
@@ -8269,7 +8314,7 @@
                       <a:prstDash val="solid"/>
                     </a:lnBlToTr>
                     <a:blipFill>
-                      <a:blip r:embed="rId14"/>
+                      <a:blip r:embed="rId15"/>
                       <a:tile tx="0" ty="0" sx="100000" sy="100000" flip="none" algn="tl"/>
                     </a:blipFill>
                   </a:tcPr>
@@ -11193,46 +11238,6 @@
           </a:p>
         </p:txBody>
       </p:sp>
-      <p:pic>
-        <p:nvPicPr>
-          <p:cNvPr id="9" name="Picture 8">
-            <a:extLst>
-              <a:ext uri="{FF2B5EF4-FFF2-40B4-BE49-F238E27FC236}">
-                <a16:creationId xmlns:a16="http://schemas.microsoft.com/office/drawing/2014/main" id="{20CE2C8B-28F5-44C0-98FB-38771D9D2BE5}"/>
-              </a:ext>
-            </a:extLst>
-          </p:cNvPr>
-          <p:cNvPicPr>
-            <a:picLocks noChangeAspect="1"/>
-          </p:cNvPicPr>
-          <p:nvPr/>
-        </p:nvPicPr>
-        <p:blipFill rotWithShape="1">
-          <a:blip r:embed="rId15">
-            <a:clrChange>
-              <a:clrFrom>
-                <a:srgbClr val="FFFFFF"/>
-              </a:clrFrom>
-              <a:clrTo>
-                <a:srgbClr val="FFFFFF">
-                  <a:alpha val="0"/>
-                </a:srgbClr>
-              </a:clrTo>
-            </a:clrChange>
-          </a:blip>
-          <a:srcRect t="625"/>
-          <a:stretch/>
-        </p:blipFill>
-        <p:spPr>
-          <a:xfrm rot="5400000">
-            <a:off x="1680410" y="-1680409"/>
-            <a:ext cx="6869031" cy="10229850"/>
-          </a:xfrm>
-          <a:prstGeom prst="rect">
-            <a:avLst/>
-          </a:prstGeom>
-        </p:spPr>
-      </p:pic>
       <p:sp>
         <p:nvSpPr>
           <p:cNvPr id="105" name="Rectangle 104">
